--- a/pro_thr.pptx
+++ b/pro_thr.pptx
@@ -3666,7 +3666,7 @@
         <p:spPr>
           <a:xfrm>
             <a:off x="6371726" y="671691"/>
-            <a:ext cx="5534524" cy="6186309"/>
+            <a:ext cx="5534524" cy="5632311"/>
           </a:xfrm>
           <a:prstGeom prst="rect">
             <a:avLst/>
@@ -3783,18 +3783,6 @@
                   </a:schemeClr>
                 </a:solidFill>
               </a:rPr>
-              <a:t>Kei Fluvial Fan</a:t>
-            </a:r>
-          </a:p>
-          <a:p>
-            <a:r>
-              <a:rPr lang="en-ZA" dirty="0">
-                <a:solidFill>
-                  <a:schemeClr val="accent2">
-                    <a:lumMod val="75000"/>
-                  </a:schemeClr>
-                </a:solidFill>
-              </a:rPr>
               <a:t>Kei Reef Mosaic</a:t>
             </a:r>
           </a:p>
@@ -3856,18 +3844,6 @@
                 </a:solidFill>
               </a:rPr>
               <a:t>Namaqua Very Exposed Rocky Shore</a:t>
-            </a:r>
-          </a:p>
-          <a:p>
-            <a:r>
-              <a:rPr lang="en-ZA" dirty="0">
-                <a:solidFill>
-                  <a:schemeClr val="accent2">
-                    <a:lumMod val="75000"/>
-                  </a:schemeClr>
-                </a:solidFill>
-              </a:rPr>
-              <a:t>Natal Delagoa Reflective Sandy Shore</a:t>
             </a:r>
           </a:p>
           <a:p>
